--- a/SENG637-A4.pptx
+++ b/SENG637-A4.pptx
@@ -3466,13 +3466,8 @@
           <a:p>
             <a:r>
               <a:rPr lang="en-CA" dirty="0"/>
-              <a:t>Install Selenium and </a:t>
-            </a:r>
-            <a:r>
-              <a:rPr lang="en-CA" dirty="0" err="1"/>
-              <a:t>SikuliX</a:t>
-            </a:r>
-            <a:endParaRPr lang="en-CA" dirty="0"/>
+              <a:t>Install Selenium</a:t>
+            </a:r>
           </a:p>
           <a:p>
             <a:r>
@@ -3493,17 +3488,6 @@
               <a:rPr lang="en-CA" dirty="0"/>
               <a:t>Automate your designed test cases using Selenium and add verification points to your scripts</a:t>
             </a:r>
-          </a:p>
-          <a:p>
-            <a:r>
-              <a:rPr lang="en-CA" dirty="0"/>
-              <a:t>Compare Selenium with </a:t>
-            </a:r>
-            <a:r>
-              <a:rPr lang="en-CA" dirty="0" err="1"/>
-              <a:t>SikuliX</a:t>
-            </a:r>
-            <a:endParaRPr lang="en-CA" dirty="0"/>
           </a:p>
         </p:txBody>
       </p:sp>
